--- a/src/pages/events/2023-09-14/slides/00-index.pptx
+++ b/src/pages/events/2023-09-14/slides/00-index.pptx
@@ -610,7 +610,7 @@
           <a:p>
             <a:fld id="{6D2A0333-042B-6B44-A752-FAF2BCB7C72B}" type="datetimeFigureOut">
               <a:rPr kumimoji="1" lang="ja-JP" altLang="en-US" smtClean="0"/>
-              <a:t>2023/9/12</a:t>
+              <a:t>2023/9/13</a:t>
             </a:fld>
             <a:endParaRPr kumimoji="1" lang="ja-JP" altLang="en-US"/>
           </a:p>
@@ -5252,69 +5252,62 @@
           <a:p>
             <a:pPr algn="l"/>
             <a:r>
-              <a:rPr kumimoji="1" lang="ja-JP" altLang="en-US"/>
+              <a:rPr kumimoji="1" lang="ja-JP" altLang="en-US" dirty="0"/>
               <a:t>情報基盤センター      </a:t>
             </a:r>
             <a:r>
-              <a:rPr kumimoji="1" lang="ja-JP" altLang="en-US" u="sng"/>
+              <a:rPr kumimoji="1" lang="ja-JP" altLang="en-US" u="sng" dirty="0"/>
               <a:t>田浦健次朗</a:t>
             </a:r>
             <a:r>
-              <a:rPr kumimoji="1" lang="ja-JP" altLang="en-US"/>
+              <a:rPr kumimoji="1" lang="ja-JP" altLang="en-US" dirty="0"/>
               <a:t>   </a:t>
             </a:r>
             <a:r>
-              <a:rPr lang="ja-JP" altLang="en-US"/>
+              <a:rPr lang="ja-JP" altLang="en-US" dirty="0"/>
               <a:t>柴山悦哉</a:t>
             </a:r>
-            <a:endParaRPr lang="en-US" altLang="ja-JP"/>
+            <a:endParaRPr lang="en-US" altLang="ja-JP" dirty="0"/>
           </a:p>
           <a:p>
             <a:pPr algn="l"/>
             <a:r>
-              <a:rPr kumimoji="1" lang="ja-JP" altLang="en-US"/>
+              <a:rPr kumimoji="1" lang="ja-JP" altLang="en-US" dirty="0"/>
               <a:t>情報システム本部</a:t>
             </a:r>
             <a:r>
-              <a:rPr lang="en-US" altLang="ja-JP"/>
+              <a:rPr lang="en-US" altLang="ja-JP" dirty="0"/>
               <a:t>    </a:t>
             </a:r>
             <a:r>
-              <a:rPr lang="ja-JP" altLang="en-US"/>
+              <a:rPr lang="ja-JP" altLang="en-US" dirty="0"/>
               <a:t>  玉造潤史</a:t>
             </a:r>
             <a:r>
-              <a:rPr lang="en-US" altLang="ja-JP"/>
+              <a:rPr lang="en-US" altLang="ja-JP" dirty="0"/>
               <a:t>  </a:t>
             </a:r>
             <a:r>
-              <a:rPr kumimoji="1" lang="ja-JP" altLang="en-US"/>
+              <a:rPr kumimoji="1" lang="ja-JP" altLang="en-US" dirty="0"/>
               <a:t>竹内朗</a:t>
             </a:r>
-            <a:endParaRPr kumimoji="1" lang="en-US" altLang="ja-JP"/>
+            <a:endParaRPr kumimoji="1" lang="en-US" altLang="ja-JP" dirty="0"/>
           </a:p>
           <a:p>
             <a:pPr algn="l"/>
             <a:r>
-              <a:rPr kumimoji="1" lang="ja-JP" altLang="en-US"/>
+              <a:rPr kumimoji="1" lang="ja-JP" altLang="en-US" dirty="0"/>
               <a:t>学際情報学府（</a:t>
             </a:r>
             <a:r>
-              <a:rPr kumimoji="1" lang="en-US" altLang="ja-JP"/>
+              <a:rPr kumimoji="1" lang="en-US" altLang="ja-JP" dirty="0"/>
               <a:t>M1</a:t>
             </a:r>
             <a:r>
-              <a:rPr kumimoji="1" lang="ja-JP" altLang="en-US"/>
-              <a:t>） 中條</a:t>
-            </a:r>
-            <a:r>
-              <a:rPr lang="ja-JP" altLang="en-US"/>
-              <a:t>りんたろう</a:t>
-            </a:r>
-            <a:r>
-              <a:rPr kumimoji="1" lang="en-US" altLang="ja-JP"/>
-              <a:t>????</a:t>
-            </a:r>
+              <a:rPr kumimoji="1" lang="ja-JP" altLang="en-US" dirty="0"/>
+              <a:t>）中條麟太郎</a:t>
+            </a:r>
+            <a:endParaRPr kumimoji="1" lang="en-US" altLang="ja-JP" dirty="0"/>
           </a:p>
         </p:txBody>
       </p:sp>
@@ -6141,101 +6134,109 @@
           <a:lstStyle/>
           <a:p>
             <a:r>
-              <a:rPr lang="ja-JP" altLang="en-US"/>
+              <a:rPr lang="ja-JP" altLang="en-US" dirty="0"/>
               <a:t>生成系</a:t>
             </a:r>
             <a:r>
-              <a:rPr lang="en-US" altLang="ja-JP"/>
+              <a:rPr lang="en-US" altLang="ja-JP" dirty="0"/>
               <a:t>AI</a:t>
             </a:r>
             <a:r>
-              <a:rPr lang="ja-JP" altLang="en-US"/>
+              <a:rPr lang="ja-JP" altLang="en-US" dirty="0"/>
               <a:t>の（特に教育面での）意見交換</a:t>
             </a:r>
-            <a:endParaRPr lang="en-US" altLang="ja-JP"/>
+            <a:endParaRPr lang="en-US" altLang="ja-JP" dirty="0"/>
           </a:p>
           <a:p>
             <a:pPr lvl="1"/>
             <a:r>
-              <a:rPr kumimoji="1" lang="ja-JP" altLang="en-US"/>
-              <a:t>太田理事（動画）による紹介（</a:t>
-            </a:r>
-            <a:r>
-              <a:rPr kumimoji="1" lang="en-US" altLang="ja-JP"/>
+              <a:rPr kumimoji="1" lang="ja-JP" altLang="en-US" dirty="0"/>
+              <a:t>紹介、本学のスタンス（</a:t>
+            </a:r>
+            <a:r>
+              <a:rPr kumimoji="1" lang="en-US" altLang="ja-JP" dirty="0"/>
               <a:t>15</a:t>
             </a:r>
             <a:r>
-              <a:rPr kumimoji="1" lang="ja-JP" altLang="en-US"/>
+              <a:rPr kumimoji="1" lang="ja-JP" altLang="en-US" dirty="0"/>
               <a:t>分）</a:t>
             </a:r>
-            <a:endParaRPr kumimoji="1" lang="en-US" altLang="ja-JP"/>
+            <a:endParaRPr kumimoji="1" lang="en-US" altLang="ja-JP" dirty="0"/>
+          </a:p>
+          <a:p>
+            <a:pPr lvl="2"/>
+            <a:r>
+              <a:rPr kumimoji="1" lang="ja-JP" altLang="en-US" dirty="0"/>
+              <a:t>太田理事（動画）</a:t>
+            </a:r>
+            <a:endParaRPr kumimoji="1" lang="en-US" altLang="ja-JP" dirty="0"/>
           </a:p>
           <a:p>
             <a:pPr lvl="1"/>
             <a:r>
-              <a:rPr kumimoji="1" lang="en-US" altLang="ja-JP" err="1"/>
+              <a:rPr kumimoji="1" lang="en-US" altLang="ja-JP" dirty="0" err="1"/>
               <a:t>Lea</a:t>
             </a:r>
             <a:r>
-              <a:rPr lang="en-US" altLang="ja-JP" err="1"/>
+              <a:rPr lang="en-US" altLang="ja-JP" dirty="0" err="1"/>
               <a:t>rnWiz</a:t>
             </a:r>
             <a:r>
-              <a:rPr lang="ja-JP" altLang="en-US"/>
+              <a:rPr lang="ja-JP" altLang="en-US" dirty="0"/>
               <a:t> </a:t>
             </a:r>
             <a:r>
-              <a:rPr lang="en-US" altLang="ja-JP"/>
+              <a:rPr lang="en-US" altLang="ja-JP" dirty="0"/>
               <a:t>One</a:t>
             </a:r>
             <a:r>
-              <a:rPr lang="ja-JP" altLang="en-US"/>
+              <a:rPr lang="ja-JP" altLang="en-US" dirty="0"/>
               <a:t>を用いた意見交換（</a:t>
             </a:r>
             <a:r>
-              <a:rPr lang="en-US" altLang="ja-JP"/>
+              <a:rPr lang="en-US" altLang="ja-JP" dirty="0"/>
               <a:t>30</a:t>
             </a:r>
             <a:r>
-              <a:rPr lang="ja-JP" altLang="en-US"/>
+              <a:rPr lang="ja-JP" altLang="en-US" dirty="0"/>
               <a:t>分程度）</a:t>
             </a:r>
-            <a:endParaRPr lang="en-US" altLang="ja-JP"/>
+            <a:endParaRPr lang="en-US" altLang="ja-JP" dirty="0"/>
           </a:p>
           <a:p>
             <a:pPr lvl="2"/>
             <a:r>
-              <a:rPr lang="ja-JP" altLang="en-US"/>
-              <a:t>中條りんたろう。。。</a:t>
-            </a:r>
-            <a:endParaRPr lang="en-US" altLang="ja-JP"/>
+              <a:rPr kumimoji="1" lang="ja-JP" altLang="en-US" dirty="0"/>
+              <a:t>モデレータ：中條麟太郎</a:t>
+            </a:r>
+            <a:endParaRPr lang="en-US" altLang="ja-JP" dirty="0"/>
           </a:p>
           <a:p>
             <a:pPr lvl="1"/>
             <a:r>
-              <a:rPr lang="ja-JP" altLang="en-US"/>
+              <a:rPr lang="ja-JP" altLang="en-US" dirty="0"/>
               <a:t>ぜひお考え・経験などを共有して下さい</a:t>
             </a:r>
-            <a:endParaRPr lang="en-US" altLang="ja-JP"/>
-          </a:p>
-          <a:p>
-            <a:r>
-              <a:rPr kumimoji="1" lang="en-US" altLang="ja-JP"/>
+            <a:endParaRPr lang="en-US" altLang="ja-JP" dirty="0"/>
+          </a:p>
+          <a:p>
+            <a:r>
+              <a:rPr kumimoji="1" lang="en-US" altLang="ja-JP" dirty="0"/>
               <a:t>14:45</a:t>
             </a:r>
             <a:r>
-              <a:rPr kumimoji="1" lang="ja-JP" altLang="en-US"/>
+              <a:rPr kumimoji="1" lang="ja-JP" altLang="en-US" dirty="0"/>
               <a:t>頃～</a:t>
             </a:r>
             <a:r>
-              <a:rPr kumimoji="1" lang="en-US" altLang="ja-JP"/>
+              <a:rPr kumimoji="1" lang="en-US" altLang="ja-JP" dirty="0"/>
               <a:t> </a:t>
             </a:r>
             <a:r>
-              <a:rPr kumimoji="1" lang="ja-JP" altLang="en-US"/>
+              <a:rPr kumimoji="1" lang="ja-JP" altLang="en-US" dirty="0"/>
               <a:t>を予定</a:t>
             </a:r>
-            <a:endParaRPr kumimoji="1" lang="en-US" altLang="ja-JP"/>
+            <a:endParaRPr kumimoji="1" lang="en-US" altLang="ja-JP" dirty="0"/>
           </a:p>
         </p:txBody>
       </p:sp>

--- a/src/pages/events/2023-09-14/slides/00-index.pptx
+++ b/src/pages/events/2023-09-14/slides/00-index.pptx
@@ -610,7 +610,7 @@
           <a:p>
             <a:fld id="{6D2A0333-042B-6B44-A752-FAF2BCB7C72B}" type="datetimeFigureOut">
               <a:rPr kumimoji="1" lang="ja-JP" altLang="en-US" smtClean="0"/>
-              <a:t>2023/9/13</a:t>
+              <a:t>2023/9/14</a:t>
             </a:fld>
             <a:endParaRPr kumimoji="1" lang="ja-JP" altLang="en-US"/>
           </a:p>
@@ -5760,180 +5760,210 @@
         </p:spPr>
         <p:txBody>
           <a:bodyPr>
-            <a:normAutofit fontScale="92500" lnSpcReduction="10000"/>
+            <a:normAutofit fontScale="92500" lnSpcReduction="20000"/>
           </a:bodyPr>
           <a:lstStyle/>
           <a:p>
             <a:r>
-              <a:rPr lang="en-US" altLang="ja-JP"/>
+              <a:rPr lang="en-US" altLang="ja-JP" dirty="0"/>
               <a:t>1.</a:t>
             </a:r>
             <a:r>
-              <a:rPr lang="ja-JP" altLang="en-US"/>
+              <a:rPr lang="ja-JP" altLang="en-US" dirty="0"/>
               <a:t> 授業のための基礎 </a:t>
             </a:r>
             <a:r>
-              <a:rPr lang="en-US" altLang="ja-JP" sz="2000"/>
+              <a:rPr lang="en-US" altLang="ja-JP" sz="2000" dirty="0"/>
               <a:t>(</a:t>
             </a:r>
             <a:r>
-              <a:rPr lang="ja-JP" altLang="en-US" sz="2000"/>
+              <a:rPr lang="ja-JP" altLang="en-US" sz="2000" dirty="0"/>
               <a:t>柴山</a:t>
             </a:r>
             <a:r>
-              <a:rPr lang="en-US" altLang="ja-JP" sz="2000"/>
+              <a:rPr lang="en-US" altLang="ja-JP" sz="2000" dirty="0"/>
               <a:t>30</a:t>
             </a:r>
             <a:r>
-              <a:rPr lang="ja-JP" altLang="en-US" sz="2000"/>
+              <a:rPr lang="ja-JP" altLang="en-US" sz="2000" dirty="0"/>
               <a:t>分</a:t>
             </a:r>
             <a:r>
-              <a:rPr lang="en-US" altLang="ja-JP" sz="2000"/>
+              <a:rPr lang="en-US" altLang="ja-JP" sz="2000" dirty="0"/>
               <a:t>)</a:t>
             </a:r>
           </a:p>
           <a:p>
             <a:r>
-              <a:rPr lang="en-US" altLang="ja-JP"/>
+              <a:rPr lang="en-US" altLang="ja-JP" dirty="0"/>
               <a:t>2. </a:t>
             </a:r>
             <a:r>
-              <a:rPr lang="ja-JP" altLang="en-US"/>
+              <a:rPr lang="ja-JP" altLang="en-US" dirty="0"/>
               <a:t>代表的なクラウドサービス </a:t>
             </a:r>
             <a:r>
-              <a:rPr lang="en-US" altLang="ja-JP" sz="2000"/>
+              <a:rPr lang="en-US" altLang="ja-JP" sz="2000" dirty="0"/>
               <a:t>(</a:t>
             </a:r>
             <a:r>
-              <a:rPr lang="ja-JP" altLang="en-US" sz="2000"/>
+              <a:rPr lang="ja-JP" altLang="en-US" sz="2000" dirty="0"/>
               <a:t>竹内</a:t>
             </a:r>
             <a:r>
-              <a:rPr lang="en-US" altLang="ja-JP" sz="2000"/>
+              <a:rPr lang="en-US" altLang="ja-JP" sz="2000" dirty="0"/>
               <a:t>25</a:t>
             </a:r>
             <a:r>
-              <a:rPr lang="ja-JP" altLang="en-US" sz="2000"/>
+              <a:rPr lang="ja-JP" altLang="en-US" sz="2000" dirty="0"/>
               <a:t>分</a:t>
             </a:r>
             <a:r>
-              <a:rPr lang="en-US" altLang="ja-JP" sz="2000"/>
+              <a:rPr lang="en-US" altLang="ja-JP" sz="2000" dirty="0"/>
               <a:t>)</a:t>
             </a:r>
           </a:p>
           <a:p>
             <a:r>
-              <a:rPr lang="en-US" altLang="ja-JP"/>
+              <a:rPr lang="en-US" altLang="ja-JP" dirty="0"/>
               <a:t>3. </a:t>
             </a:r>
             <a:r>
-              <a:rPr lang="ja-JP" altLang="en-US"/>
+              <a:rPr lang="ja-JP" altLang="en-US" dirty="0"/>
               <a:t>セキュリティと多要素認証 </a:t>
             </a:r>
             <a:r>
-              <a:rPr lang="en-US" altLang="ja-JP" sz="2000"/>
+              <a:rPr lang="en-US" altLang="ja-JP" sz="2000" dirty="0"/>
               <a:t>(</a:t>
             </a:r>
             <a:r>
-              <a:rPr lang="ja-JP" altLang="en-US" sz="2000"/>
+              <a:rPr lang="ja-JP" altLang="en-US" sz="2000" dirty="0"/>
               <a:t>田浦</a:t>
             </a:r>
             <a:r>
-              <a:rPr lang="en-US" altLang="ja-JP" sz="2000"/>
+              <a:rPr lang="en-US" altLang="ja-JP" sz="2000" dirty="0"/>
               <a:t>20</a:t>
             </a:r>
             <a:r>
-              <a:rPr lang="ja-JP" altLang="en-US" sz="2000"/>
+              <a:rPr lang="ja-JP" altLang="en-US" sz="2000" dirty="0"/>
               <a:t>分</a:t>
             </a:r>
             <a:r>
-              <a:rPr lang="en-US" altLang="ja-JP" sz="2000"/>
+              <a:rPr lang="en-US" altLang="ja-JP" sz="2000" dirty="0"/>
               <a:t>)</a:t>
             </a:r>
           </a:p>
           <a:p>
             <a:r>
-              <a:rPr lang="en-US" altLang="ja-JP"/>
+              <a:rPr lang="en-US" altLang="ja-JP" dirty="0"/>
               <a:t>4. </a:t>
             </a:r>
             <a:r>
-              <a:rPr lang="en-US" altLang="ja-JP" err="1"/>
+              <a:rPr lang="en-US" altLang="ja-JP" dirty="0" err="1"/>
               <a:t>utelecon</a:t>
             </a:r>
             <a:r>
-              <a:rPr lang="ja-JP" altLang="en-US"/>
+              <a:rPr lang="ja-JP" altLang="en-US" dirty="0"/>
               <a:t>と学生によるサポータ体制 </a:t>
             </a:r>
             <a:r>
-              <a:rPr lang="en-US" altLang="ja-JP" sz="2000"/>
+              <a:rPr lang="en-US" altLang="ja-JP" sz="2000" dirty="0"/>
               <a:t>(</a:t>
             </a:r>
             <a:r>
-              <a:rPr lang="ja-JP" altLang="en-US" sz="2000"/>
+              <a:rPr lang="ja-JP" altLang="en-US" sz="2000" dirty="0"/>
               <a:t>玉造 </a:t>
             </a:r>
             <a:r>
-              <a:rPr lang="en-US" altLang="ja-JP" sz="2000"/>
+              <a:rPr lang="en-US" altLang="ja-JP" sz="2000" dirty="0"/>
               <a:t>10</a:t>
             </a:r>
             <a:r>
-              <a:rPr lang="ja-JP" altLang="en-US" sz="2000"/>
+              <a:rPr lang="ja-JP" altLang="en-US" sz="2000" dirty="0"/>
               <a:t>分</a:t>
             </a:r>
             <a:r>
-              <a:rPr lang="en-US" altLang="ja-JP" sz="2000"/>
+              <a:rPr lang="en-US" altLang="ja-JP" sz="2000" dirty="0"/>
               <a:t>)</a:t>
             </a:r>
           </a:p>
           <a:p>
             <a:r>
-              <a:rPr lang="ja-JP" altLang="en-US"/>
+              <a:rPr lang="en-US" altLang="ja-JP" dirty="0"/>
+              <a:t>5. </a:t>
+            </a:r>
+            <a:r>
+              <a:rPr lang="ja-JP" altLang="en-US" dirty="0"/>
+              <a:t>意見交換セッション </a:t>
+            </a:r>
+            <a:r>
+              <a:rPr lang="en-US" altLang="ja-JP" sz="2000" dirty="0"/>
+              <a:t>(</a:t>
+            </a:r>
+            <a:r>
+              <a:rPr lang="ja-JP" altLang="en-US" sz="2000" dirty="0"/>
+              <a:t>玉造・中條 </a:t>
+            </a:r>
+            <a:r>
+              <a:rPr lang="en-US" altLang="ja-JP" sz="2000" dirty="0"/>
+              <a:t>10</a:t>
+            </a:r>
+            <a:r>
+              <a:rPr lang="ja-JP" altLang="en-US" sz="2000" dirty="0"/>
+              <a:t>分</a:t>
+            </a:r>
+            <a:r>
+              <a:rPr lang="en-US" altLang="ja-JP" sz="2000" dirty="0"/>
+              <a:t>)</a:t>
+            </a:r>
+          </a:p>
+          <a:p>
+            <a:r>
+              <a:rPr lang="ja-JP" altLang="en-US" dirty="0"/>
               <a:t>質問 </a:t>
             </a:r>
             <a:r>
-              <a:rPr lang="en-US" altLang="ja-JP"/>
+              <a:rPr lang="en-US" altLang="ja-JP" dirty="0"/>
               <a:t>sli.do</a:t>
             </a:r>
           </a:p>
           <a:p>
             <a:pPr lvl="1"/>
             <a:r>
-              <a:rPr lang="ja-JP" altLang="en-US">
+              <a:rPr lang="ja-JP" altLang="en-US" dirty="0">
                 <a:hlinkClick r:id="rId3"/>
               </a:rPr>
               <a:t>このリンク</a:t>
             </a:r>
             <a:r>
-              <a:rPr lang="ja-JP" altLang="en-US"/>
+              <a:rPr lang="ja-JP" altLang="en-US" dirty="0"/>
               <a:t> もしくは、</a:t>
             </a:r>
             <a:br>
-              <a:rPr lang="en-US" altLang="ja-JP"/>
+              <a:rPr lang="en-US" altLang="ja-JP" dirty="0"/>
             </a:br>
             <a:r>
-              <a:rPr lang="en-US" altLang="ja-JP">
+              <a:rPr lang="en-US" altLang="ja-JP" dirty="0">
                 <a:hlinkClick r:id="rId4"/>
               </a:rPr>
               <a:t>https://sli.do/</a:t>
             </a:r>
             <a:r>
-              <a:rPr lang="en-US" altLang="ja-JP"/>
+              <a:rPr lang="en-US" altLang="ja-JP" dirty="0"/>
               <a:t> </a:t>
             </a:r>
             <a:r>
-              <a:rPr lang="ja-JP" altLang="en-US"/>
+              <a:rPr lang="ja-JP" altLang="en-US" dirty="0"/>
               <a:t>イベントコード： </a:t>
             </a:r>
             <a:r>
-              <a:rPr lang="en-US" altLang="ja-JP" sz="3000" b="1">
+              <a:rPr lang="en-US" altLang="ja-JP" sz="3000" b="1" dirty="0">
                 <a:latin typeface="Courier New" panose="02070309020205020404" pitchFamily="49" charset="0"/>
                 <a:cs typeface="Courier New" panose="02070309020205020404" pitchFamily="49" charset="0"/>
               </a:rPr>
               <a:t>utelecon20230914</a:t>
             </a:r>
-            <a:endParaRPr lang="en-US" altLang="ja-JP" b="1">
+            <a:endParaRPr lang="en-US" altLang="ja-JP" b="1" dirty="0">
               <a:latin typeface="Courier New" panose="02070309020205020404" pitchFamily="49" charset="0"/>
               <a:cs typeface="Courier New" panose="02070309020205020404" pitchFamily="49" charset="0"/>
             </a:endParaRPr>
@@ -5941,21 +5971,21 @@
           <a:p>
             <a:pPr lvl="1"/>
             <a:r>
-              <a:rPr lang="ja-JP" altLang="en-US"/>
+              <a:rPr lang="ja-JP" altLang="en-US" dirty="0"/>
               <a:t>説明内容その他への質問</a:t>
             </a:r>
-            <a:endParaRPr lang="en-US" altLang="ja-JP"/>
+            <a:endParaRPr lang="en-US" altLang="ja-JP" dirty="0"/>
           </a:p>
           <a:p>
             <a:pPr lvl="1"/>
             <a:r>
-              <a:rPr lang="ja-JP" altLang="en-US"/>
+              <a:rPr lang="ja-JP" altLang="en-US" dirty="0"/>
               <a:t>説明前・説明中、任意のタイミングでご質問下さい</a:t>
             </a:r>
-            <a:endParaRPr lang="en-US" altLang="ja-JP"/>
-          </a:p>
-          <a:p>
-            <a:endParaRPr lang="en-US" altLang="ja-JP"/>
+            <a:endParaRPr lang="en-US" altLang="ja-JP" dirty="0"/>
+          </a:p>
+          <a:p>
+            <a:endParaRPr lang="en-US" altLang="ja-JP" dirty="0"/>
           </a:p>
         </p:txBody>
       </p:sp>
@@ -6123,8 +6153,8 @@
         </p:nvSpPr>
         <p:spPr>
           <a:xfrm>
-            <a:off x="1775519" y="2235788"/>
-            <a:ext cx="9177183" cy="4089065"/>
+            <a:off x="1182415" y="2235788"/>
+            <a:ext cx="9770288" cy="4089065"/>
           </a:xfrm>
         </p:spPr>
         <p:txBody>
@@ -6207,7 +6237,19 @@
             <a:pPr lvl="2"/>
             <a:r>
               <a:rPr kumimoji="1" lang="ja-JP" altLang="en-US" dirty="0"/>
-              <a:t>モデレータ：中條麟太郎</a:t>
+              <a:t>モデレータ：中條麟太郎（</a:t>
+            </a:r>
+            <a:r>
+              <a:rPr kumimoji="1" lang="en-US" altLang="ja-JP" dirty="0" err="1"/>
+              <a:t>LearnWiz</a:t>
+            </a:r>
+            <a:r>
+              <a:rPr kumimoji="1" lang="en-US" altLang="ja-JP" dirty="0"/>
+              <a:t> One</a:t>
+            </a:r>
+            <a:r>
+              <a:rPr kumimoji="1" lang="ja-JP" altLang="en-US" dirty="0"/>
+              <a:t>開発者）</a:t>
             </a:r>
             <a:endParaRPr lang="en-US" altLang="ja-JP" dirty="0"/>
           </a:p>

--- a/src/pages/events/2023-09-14/slides/00-index.pptx
+++ b/src/pages/events/2023-09-14/slides/00-index.pptx
@@ -5902,20 +5902,17 @@
             </a:r>
             <a:r>
               <a:rPr lang="ja-JP" altLang="en-US" sz="2000" dirty="0"/>
-              <a:t>玉造・中條 </a:t>
-            </a:r>
-            <a:r>
-              <a:rPr lang="en-US" altLang="ja-JP" sz="2000" dirty="0"/>
-              <a:t>10</a:t>
-            </a:r>
-            <a:r>
-              <a:rPr lang="ja-JP" altLang="en-US" sz="2000" dirty="0"/>
-              <a:t>分</a:t>
-            </a:r>
-            <a:r>
-              <a:rPr lang="en-US" altLang="ja-JP" sz="2000" dirty="0"/>
+              <a:t>玉造</a:t>
+            </a:r>
+            <a:r>
+              <a:rPr lang="ja-JP" altLang="en-US" sz="2000"/>
+              <a:t>・中條</a:t>
+            </a:r>
+            <a:r>
+              <a:rPr lang="en-US" altLang="ja-JP" sz="2000"/>
               <a:t>)</a:t>
             </a:r>
+            <a:endParaRPr lang="en-US" altLang="ja-JP" sz="2000" dirty="0"/>
           </a:p>
           <a:p>
             <a:r>
